--- a/Lecture-37/Lecture-37.pptx
+++ b/Lecture-37/Lecture-37.pptx
@@ -10196,7 +10196,7 @@
           <a:p>
             <a:fld id="{7E3D4EF1-0385-43D3-A179-699E3F2FE344}" type="datetime1">
               <a:rPr lang="en-IN" smtClean="0"/>
-              <a:t>13-12-2024</a:t>
+              <a:t>19-12-2024</a:t>
             </a:fld>
             <a:endParaRPr lang="en-IN" dirty="0"/>
           </a:p>
@@ -15648,14 +15648,34 @@
               <a:t>i</a:t>
             </a:r>
             <a:r>
-              <a:rPr lang="en-US" sz="2000" dirty="0">
+              <a:rPr lang="en-US" sz="2000">
                 <a:solidFill>
                   <a:schemeClr val="tx1"/>
                 </a:solidFill>
                 <a:latin typeface="Calibri" panose="020F0502020204030204" pitchFamily="34" charset="0"/>
                 <a:cs typeface="Calibri" panose="020F0502020204030204" pitchFamily="34" charset="0"/>
               </a:rPr>
-              <a:t> styles-components</a:t>
+              <a:t> style</a:t>
+            </a:r>
+            <a:r>
+              <a:rPr lang="en-US" sz="2000" dirty="0">
+                <a:solidFill>
+                  <a:schemeClr val="tx1"/>
+                </a:solidFill>
+                <a:latin typeface="Calibri" panose="020F0502020204030204" pitchFamily="34" charset="0"/>
+                <a:cs typeface="Calibri" panose="020F0502020204030204" pitchFamily="34" charset="0"/>
+              </a:rPr>
+              <a:t>d</a:t>
+            </a:r>
+            <a:r>
+              <a:rPr lang="en-US" sz="2000">
+                <a:solidFill>
+                  <a:schemeClr val="tx1"/>
+                </a:solidFill>
+                <a:latin typeface="Calibri" panose="020F0502020204030204" pitchFamily="34" charset="0"/>
+                <a:cs typeface="Calibri" panose="020F0502020204030204" pitchFamily="34" charset="0"/>
+              </a:rPr>
+              <a:t>-components</a:t>
             </a:r>
             <a:endParaRPr lang="en-US" sz="2000" i="0" dirty="0">
               <a:solidFill>
